--- a/Ressources/Documents/Adrian/PrésentationPassage.pptx
+++ b/Ressources/Documents/Adrian/PrésentationPassage.pptx
@@ -6,8 +6,10 @@
   </p:sldMasterIdLst>
   <p:sldIdLst>
     <p:sldId id="256" r:id="rId2"/>
-    <p:sldId id="257" r:id="rId3"/>
-    <p:sldId id="258" r:id="rId4"/>
+    <p:sldId id="259" r:id="rId3"/>
+    <p:sldId id="257" r:id="rId4"/>
+    <p:sldId id="258" r:id="rId5"/>
+    <p:sldId id="260" r:id="rId6"/>
   </p:sldIdLst>
   <p:sldSz cx="12192000" cy="6858000"/>
   <p:notesSz cx="6858000" cy="9144000"/>
@@ -616,7 +618,7 @@
           <a:p>
             <a:fld id="{4CB7874A-CE53-488F-8B7B-BE06777D5323}" type="datetimeFigureOut">
               <a:rPr lang="fr-FR" smtClean="0"/>
-              <a:t>20/01/2020</a:t>
+              <a:t>21/01/2020</a:t>
             </a:fld>
             <a:endParaRPr lang="fr-FR"/>
           </a:p>
@@ -912,7 +914,7 @@
           <a:p>
             <a:fld id="{4CB7874A-CE53-488F-8B7B-BE06777D5323}" type="datetimeFigureOut">
               <a:rPr lang="fr-FR" smtClean="0"/>
-              <a:t>20/01/2020</a:t>
+              <a:t>21/01/2020</a:t>
             </a:fld>
             <a:endParaRPr lang="fr-FR"/>
           </a:p>
@@ -1160,7 +1162,7 @@
           <a:p>
             <a:fld id="{4CB7874A-CE53-488F-8B7B-BE06777D5323}" type="datetimeFigureOut">
               <a:rPr lang="fr-FR" smtClean="0"/>
-              <a:t>20/01/2020</a:t>
+              <a:t>21/01/2020</a:t>
             </a:fld>
             <a:endParaRPr lang="fr-FR"/>
           </a:p>
@@ -1700,7 +1702,7 @@
           <a:p>
             <a:fld id="{4CB7874A-CE53-488F-8B7B-BE06777D5323}" type="datetimeFigureOut">
               <a:rPr lang="fr-FR" smtClean="0"/>
-              <a:t>20/01/2020</a:t>
+              <a:t>21/01/2020</a:t>
             </a:fld>
             <a:endParaRPr lang="fr-FR"/>
           </a:p>
@@ -1948,7 +1950,7 @@
           <a:p>
             <a:fld id="{4CB7874A-CE53-488F-8B7B-BE06777D5323}" type="datetimeFigureOut">
               <a:rPr lang="fr-FR" smtClean="0"/>
-              <a:t>20/01/2020</a:t>
+              <a:t>21/01/2020</a:t>
             </a:fld>
             <a:endParaRPr lang="fr-FR"/>
           </a:p>
@@ -2480,7 +2482,7 @@
           <a:p>
             <a:fld id="{4CB7874A-CE53-488F-8B7B-BE06777D5323}" type="datetimeFigureOut">
               <a:rPr lang="fr-FR" smtClean="0"/>
-              <a:t>20/01/2020</a:t>
+              <a:t>21/01/2020</a:t>
             </a:fld>
             <a:endParaRPr lang="fr-FR"/>
           </a:p>
@@ -2777,7 +2779,7 @@
           <a:p>
             <a:fld id="{4CB7874A-CE53-488F-8B7B-BE06777D5323}" type="datetimeFigureOut">
               <a:rPr lang="fr-FR" smtClean="0"/>
-              <a:t>20/01/2020</a:t>
+              <a:t>21/01/2020</a:t>
             </a:fld>
             <a:endParaRPr lang="fr-FR"/>
           </a:p>
@@ -2951,7 +2953,7 @@
           <a:p>
             <a:fld id="{4CB7874A-CE53-488F-8B7B-BE06777D5323}" type="datetimeFigureOut">
               <a:rPr lang="fr-FR" smtClean="0"/>
-              <a:t>20/01/2020</a:t>
+              <a:t>21/01/2020</a:t>
             </a:fld>
             <a:endParaRPr lang="fr-FR"/>
           </a:p>
@@ -3131,7 +3133,7 @@
           <a:p>
             <a:fld id="{4CB7874A-CE53-488F-8B7B-BE06777D5323}" type="datetimeFigureOut">
               <a:rPr lang="fr-FR" smtClean="0"/>
-              <a:t>20/01/2020</a:t>
+              <a:t>21/01/2020</a:t>
             </a:fld>
             <a:endParaRPr lang="fr-FR"/>
           </a:p>
@@ -3301,7 +3303,7 @@
           <a:p>
             <a:fld id="{4CB7874A-CE53-488F-8B7B-BE06777D5323}" type="datetimeFigureOut">
               <a:rPr lang="fr-FR" smtClean="0"/>
-              <a:t>20/01/2020</a:t>
+              <a:t>21/01/2020</a:t>
             </a:fld>
             <a:endParaRPr lang="fr-FR"/>
           </a:p>
@@ -3552,7 +3554,7 @@
           <a:p>
             <a:fld id="{4CB7874A-CE53-488F-8B7B-BE06777D5323}" type="datetimeFigureOut">
               <a:rPr lang="fr-FR" smtClean="0"/>
-              <a:t>20/01/2020</a:t>
+              <a:t>21/01/2020</a:t>
             </a:fld>
             <a:endParaRPr lang="fr-FR"/>
           </a:p>
@@ -3849,7 +3851,7 @@
           <a:p>
             <a:fld id="{4CB7874A-CE53-488F-8B7B-BE06777D5323}" type="datetimeFigureOut">
               <a:rPr lang="fr-FR" smtClean="0"/>
-              <a:t>20/01/2020</a:t>
+              <a:t>21/01/2020</a:t>
             </a:fld>
             <a:endParaRPr lang="fr-FR"/>
           </a:p>
@@ -4291,7 +4293,7 @@
           <a:p>
             <a:fld id="{4CB7874A-CE53-488F-8B7B-BE06777D5323}" type="datetimeFigureOut">
               <a:rPr lang="fr-FR" smtClean="0"/>
-              <a:t>20/01/2020</a:t>
+              <a:t>21/01/2020</a:t>
             </a:fld>
             <a:endParaRPr lang="fr-FR"/>
           </a:p>
@@ -4409,7 +4411,7 @@
           <a:p>
             <a:fld id="{4CB7874A-CE53-488F-8B7B-BE06777D5323}" type="datetimeFigureOut">
               <a:rPr lang="fr-FR" smtClean="0"/>
-              <a:t>20/01/2020</a:t>
+              <a:t>21/01/2020</a:t>
             </a:fld>
             <a:endParaRPr lang="fr-FR"/>
           </a:p>
@@ -4504,7 +4506,7 @@
           <a:p>
             <a:fld id="{4CB7874A-CE53-488F-8B7B-BE06777D5323}" type="datetimeFigureOut">
               <a:rPr lang="fr-FR" smtClean="0"/>
-              <a:t>20/01/2020</a:t>
+              <a:t>21/01/2020</a:t>
             </a:fld>
             <a:endParaRPr lang="fr-FR"/>
           </a:p>
@@ -4787,7 +4789,7 @@
           <a:p>
             <a:fld id="{4CB7874A-CE53-488F-8B7B-BE06777D5323}" type="datetimeFigureOut">
               <a:rPr lang="fr-FR" smtClean="0"/>
-              <a:t>20/01/2020</a:t>
+              <a:t>21/01/2020</a:t>
             </a:fld>
             <a:endParaRPr lang="fr-FR"/>
           </a:p>
@@ -5078,7 +5080,7 @@
           <a:p>
             <a:fld id="{4CB7874A-CE53-488F-8B7B-BE06777D5323}" type="datetimeFigureOut">
               <a:rPr lang="fr-FR" smtClean="0"/>
-              <a:t>20/01/2020</a:t>
+              <a:t>21/01/2020</a:t>
             </a:fld>
             <a:endParaRPr lang="fr-FR"/>
           </a:p>
@@ -5608,7 +5610,7 @@
           <a:p>
             <a:fld id="{4CB7874A-CE53-488F-8B7B-BE06777D5323}" type="datetimeFigureOut">
               <a:rPr lang="fr-FR" smtClean="0"/>
-              <a:t>20/01/2020</a:t>
+              <a:t>21/01/2020</a:t>
             </a:fld>
             <a:endParaRPr lang="fr-FR"/>
           </a:p>
@@ -6258,15 +6260,7 @@
           <a:bodyPr/>
           <a:lstStyle/>
           <a:p>
-            <a:r>
-              <a:rPr lang="fr-FR" dirty="0" smtClean="0"/>
-              <a:t>Présentation </a:t>
-            </a:r>
-            <a:r>
-              <a:rPr lang="fr-FR" dirty="0" smtClean="0"/>
-              <a:t>personnelle</a:t>
-            </a:r>
-            <a:endParaRPr lang="fr-FR" dirty="0"/>
+            <a:endParaRPr lang="fr-FR"/>
           </a:p>
         </p:txBody>
       </p:sp>
@@ -6285,56 +6279,14 @@
           <a:bodyPr/>
           <a:lstStyle/>
           <a:p>
-            <a:pPr>
-              <a:buFont typeface="Arial" panose="020B0604020202020204" pitchFamily="34" charset="0"/>
-              <a:buChar char="•"/>
-            </a:pPr>
-            <a:r>
-              <a:rPr lang="fr-FR" dirty="0" smtClean="0"/>
-              <a:t>Baccalauréat Scientifique</a:t>
-            </a:r>
-          </a:p>
-          <a:p>
-            <a:pPr>
-              <a:buFont typeface="Arial" panose="020B0604020202020204" pitchFamily="34" charset="0"/>
-              <a:buChar char="•"/>
-            </a:pPr>
-            <a:r>
-              <a:rPr lang="fr-FR" dirty="0" smtClean="0"/>
-              <a:t>Pole Emploi</a:t>
-            </a:r>
-          </a:p>
-          <a:p>
-            <a:pPr>
-              <a:buFont typeface="Arial" panose="020B0604020202020204" pitchFamily="34" charset="0"/>
-              <a:buChar char="•"/>
-            </a:pPr>
-            <a:r>
-              <a:rPr lang="fr-FR" dirty="0" smtClean="0"/>
-              <a:t>Mission Locale</a:t>
-            </a:r>
-          </a:p>
-          <a:p>
-            <a:pPr>
-              <a:buFont typeface="Wingdings" panose="05000000000000000000" pitchFamily="2" charset="2"/>
-              <a:buChar char="Ø"/>
-            </a:pPr>
-            <a:r>
-              <a:rPr lang="fr-FR" dirty="0" smtClean="0"/>
-              <a:t>Formation </a:t>
-            </a:r>
-            <a:r>
-              <a:rPr lang="fr-FR" dirty="0" err="1" smtClean="0"/>
-              <a:t>Coding</a:t>
-            </a:r>
-            <a:endParaRPr lang="fr-FR" dirty="0"/>
+            <a:endParaRPr lang="fr-FR"/>
           </a:p>
         </p:txBody>
       </p:sp>
     </p:spTree>
     <p:extLst>
       <p:ext uri="{BB962C8B-B14F-4D97-AF65-F5344CB8AC3E}">
-        <p14:creationId xmlns:p14="http://schemas.microsoft.com/office/powerpoint/2010/main" val="2491729914"/>
+        <p14:creationId xmlns:p14="http://schemas.microsoft.com/office/powerpoint/2010/main" val="2970249669"/>
       </p:ext>
     </p:extLst>
   </p:cSld>
@@ -6378,6 +6330,124 @@
           <a:p>
             <a:r>
               <a:rPr lang="fr-FR" dirty="0" smtClean="0"/>
+              <a:t>Présentation personnelle</a:t>
+            </a:r>
+            <a:endParaRPr lang="fr-FR" dirty="0"/>
+          </a:p>
+        </p:txBody>
+      </p:sp>
+      <p:sp>
+        <p:nvSpPr>
+          <p:cNvPr id="3" name="Espace réservé du contenu 2"/>
+          <p:cNvSpPr>
+            <a:spLocks noGrp="1"/>
+          </p:cNvSpPr>
+          <p:nvPr>
+            <p:ph idx="1"/>
+          </p:nvPr>
+        </p:nvSpPr>
+        <p:spPr/>
+        <p:txBody>
+          <a:bodyPr/>
+          <a:lstStyle/>
+          <a:p>
+            <a:pPr>
+              <a:buFont typeface="Arial" panose="020B0604020202020204" pitchFamily="34" charset="0"/>
+              <a:buChar char="•"/>
+            </a:pPr>
+            <a:r>
+              <a:rPr lang="fr-FR" dirty="0" smtClean="0"/>
+              <a:t>Baccalauréat Scientifique</a:t>
+            </a:r>
+          </a:p>
+          <a:p>
+            <a:pPr>
+              <a:buFont typeface="Arial" panose="020B0604020202020204" pitchFamily="34" charset="0"/>
+              <a:buChar char="•"/>
+            </a:pPr>
+            <a:r>
+              <a:rPr lang="fr-FR" dirty="0" smtClean="0"/>
+              <a:t>Pôle </a:t>
+            </a:r>
+            <a:r>
+              <a:rPr lang="fr-FR" dirty="0" smtClean="0"/>
+              <a:t>Emploi</a:t>
+            </a:r>
+          </a:p>
+          <a:p>
+            <a:pPr>
+              <a:buFont typeface="Arial" panose="020B0604020202020204" pitchFamily="34" charset="0"/>
+              <a:buChar char="•"/>
+            </a:pPr>
+            <a:r>
+              <a:rPr lang="fr-FR" dirty="0" smtClean="0"/>
+              <a:t>Mission Locale</a:t>
+            </a:r>
+          </a:p>
+          <a:p>
+            <a:pPr>
+              <a:buFont typeface="Wingdings" panose="05000000000000000000" pitchFamily="2" charset="2"/>
+              <a:buChar char="Ø"/>
+            </a:pPr>
+            <a:r>
+              <a:rPr lang="fr-FR" dirty="0" smtClean="0"/>
+              <a:t>Formation </a:t>
+            </a:r>
+            <a:r>
+              <a:rPr lang="fr-FR" dirty="0" err="1" smtClean="0"/>
+              <a:t>Coding</a:t>
+            </a:r>
+            <a:endParaRPr lang="fr-FR" dirty="0"/>
+          </a:p>
+        </p:txBody>
+      </p:sp>
+    </p:spTree>
+    <p:extLst>
+      <p:ext uri="{BB962C8B-B14F-4D97-AF65-F5344CB8AC3E}">
+        <p14:creationId xmlns:p14="http://schemas.microsoft.com/office/powerpoint/2010/main" val="2491729914"/>
+      </p:ext>
+    </p:extLst>
+  </p:cSld>
+  <p:clrMapOvr>
+    <a:masterClrMapping/>
+  </p:clrMapOvr>
+</p:sld>
+</file>
+
+<file path=ppt/slides/slide4.xml><?xml version="1.0" encoding="utf-8"?>
+<p:sld xmlns:a="http://schemas.openxmlformats.org/drawingml/2006/main" xmlns:r="http://schemas.openxmlformats.org/officeDocument/2006/relationships" xmlns:p="http://schemas.openxmlformats.org/presentationml/2006/main">
+  <p:cSld>
+    <p:spTree>
+      <p:nvGrpSpPr>
+        <p:cNvPr id="1" name=""/>
+        <p:cNvGrpSpPr/>
+        <p:nvPr/>
+      </p:nvGrpSpPr>
+      <p:grpSpPr>
+        <a:xfrm>
+          <a:off x="0" y="0"/>
+          <a:ext cx="0" cy="0"/>
+          <a:chOff x="0" y="0"/>
+          <a:chExt cx="0" cy="0"/>
+        </a:xfrm>
+      </p:grpSpPr>
+      <p:sp>
+        <p:nvSpPr>
+          <p:cNvPr id="2" name="Titre 1"/>
+          <p:cNvSpPr>
+            <a:spLocks noGrp="1"/>
+          </p:cNvSpPr>
+          <p:nvPr>
+            <p:ph type="title"/>
+          </p:nvPr>
+        </p:nvSpPr>
+        <p:spPr/>
+        <p:txBody>
+          <a:bodyPr/>
+          <a:lstStyle/>
+          <a:p>
+            <a:r>
+              <a:rPr lang="fr-FR" dirty="0" smtClean="0"/>
               <a:t>Présentation </a:t>
             </a:r>
             <a:r>
@@ -6403,7 +6473,27 @@
           <a:bodyPr/>
           <a:lstStyle/>
           <a:p>
-            <a:endParaRPr lang="fr-FR"/>
+            <a:r>
+              <a:rPr lang="fr-FR" dirty="0" smtClean="0"/>
+              <a:t>Projet fait dans le cadre du passage de titre</a:t>
+            </a:r>
+          </a:p>
+          <a:p>
+            <a:r>
+              <a:rPr lang="fr-FR" dirty="0"/>
+              <a:t>Site fait en </a:t>
+            </a:r>
+            <a:r>
+              <a:rPr lang="fr-FR" dirty="0" smtClean="0"/>
+              <a:t>binôme</a:t>
+            </a:r>
+            <a:endParaRPr lang="fr-FR" dirty="0" smtClean="0"/>
+          </a:p>
+          <a:p>
+            <a:r>
+              <a:rPr lang="fr-FR" dirty="0" smtClean="0"/>
+              <a:t>Forum du jeu CODING – Jeu de Rôle</a:t>
+            </a:r>
           </a:p>
         </p:txBody>
       </p:sp>
@@ -6411,6 +6501,94 @@
     <p:extLst>
       <p:ext uri="{BB962C8B-B14F-4D97-AF65-F5344CB8AC3E}">
         <p14:creationId xmlns:p14="http://schemas.microsoft.com/office/powerpoint/2010/main" val="1419230162"/>
+      </p:ext>
+    </p:extLst>
+  </p:cSld>
+  <p:clrMapOvr>
+    <a:masterClrMapping/>
+  </p:clrMapOvr>
+</p:sld>
+</file>
+
+<file path=ppt/slides/slide5.xml><?xml version="1.0" encoding="utf-8"?>
+<p:sld xmlns:a="http://schemas.openxmlformats.org/drawingml/2006/main" xmlns:r="http://schemas.openxmlformats.org/officeDocument/2006/relationships" xmlns:p="http://schemas.openxmlformats.org/presentationml/2006/main">
+  <p:cSld>
+    <p:spTree>
+      <p:nvGrpSpPr>
+        <p:cNvPr id="1" name=""/>
+        <p:cNvGrpSpPr/>
+        <p:nvPr/>
+      </p:nvGrpSpPr>
+      <p:grpSpPr>
+        <a:xfrm>
+          <a:off x="0" y="0"/>
+          <a:ext cx="0" cy="0"/>
+          <a:chOff x="0" y="0"/>
+          <a:chExt cx="0" cy="0"/>
+        </a:xfrm>
+      </p:grpSpPr>
+      <p:sp>
+        <p:nvSpPr>
+          <p:cNvPr id="2" name="Titre 1"/>
+          <p:cNvSpPr>
+            <a:spLocks noGrp="1"/>
+          </p:cNvSpPr>
+          <p:nvPr>
+            <p:ph type="title"/>
+          </p:nvPr>
+        </p:nvSpPr>
+        <p:spPr/>
+        <p:txBody>
+          <a:bodyPr/>
+          <a:lstStyle/>
+          <a:p>
+            <a:r>
+              <a:rPr lang="fr-FR" dirty="0" smtClean="0"/>
+              <a:t>Cahier des charges</a:t>
+            </a:r>
+            <a:endParaRPr lang="fr-FR" dirty="0"/>
+          </a:p>
+        </p:txBody>
+      </p:sp>
+      <p:sp>
+        <p:nvSpPr>
+          <p:cNvPr id="3" name="Espace réservé du contenu 2"/>
+          <p:cNvSpPr>
+            <a:spLocks noGrp="1"/>
+          </p:cNvSpPr>
+          <p:nvPr>
+            <p:ph idx="1"/>
+          </p:nvPr>
+        </p:nvSpPr>
+        <p:spPr/>
+        <p:txBody>
+          <a:bodyPr/>
+          <a:lstStyle/>
+          <a:p>
+            <a:r>
+              <a:rPr lang="fr-FR" dirty="0" smtClean="0"/>
+              <a:t>Pouvoir créer des sujets de discussion</a:t>
+            </a:r>
+          </a:p>
+          <a:p>
+            <a:r>
+              <a:rPr lang="fr-FR" dirty="0" smtClean="0"/>
+              <a:t>Pour répondre aux sujets existants</a:t>
+            </a:r>
+          </a:p>
+          <a:p>
+            <a:r>
+              <a:rPr lang="fr-FR" dirty="0" smtClean="0"/>
+              <a:t>Forum accessible seulement si connecté</a:t>
+            </a:r>
+            <a:endParaRPr lang="fr-FR" dirty="0"/>
+          </a:p>
+        </p:txBody>
+      </p:sp>
+    </p:spTree>
+    <p:extLst>
+      <p:ext uri="{BB962C8B-B14F-4D97-AF65-F5344CB8AC3E}">
+        <p14:creationId xmlns:p14="http://schemas.microsoft.com/office/powerpoint/2010/main" val="3544506310"/>
       </p:ext>
     </p:extLst>
   </p:cSld>

--- a/Ressources/Documents/Adrian/PrésentationPassage.pptx
+++ b/Ressources/Documents/Adrian/PrésentationPassage.pptx
@@ -4,12 +4,20 @@
   <p:sldMasterIdLst>
     <p:sldMasterId id="2147483754" r:id="rId1"/>
   </p:sldMasterIdLst>
+  <p:notesMasterIdLst>
+    <p:notesMasterId r:id="rId12"/>
+  </p:notesMasterIdLst>
   <p:sldIdLst>
     <p:sldId id="256" r:id="rId2"/>
     <p:sldId id="259" r:id="rId3"/>
     <p:sldId id="257" r:id="rId4"/>
     <p:sldId id="258" r:id="rId5"/>
     <p:sldId id="260" r:id="rId6"/>
+    <p:sldId id="261" r:id="rId7"/>
+    <p:sldId id="262" r:id="rId8"/>
+    <p:sldId id="263" r:id="rId9"/>
+    <p:sldId id="264" r:id="rId10"/>
+    <p:sldId id="265" r:id="rId11"/>
   </p:sldIdLst>
   <p:sldSz cx="12192000" cy="6858000"/>
   <p:notesSz cx="6858000" cy="9144000"/>
@@ -114,6 +122,440 @@
     </p:ext>
   </p:extLst>
 </p:presentation>
+</file>
+
+<file path=ppt/notesMasters/notesMaster1.xml><?xml version="1.0" encoding="utf-8"?>
+<p:notesMaster xmlns:a="http://schemas.openxmlformats.org/drawingml/2006/main" xmlns:r="http://schemas.openxmlformats.org/officeDocument/2006/relationships" xmlns:p="http://schemas.openxmlformats.org/presentationml/2006/main">
+  <p:cSld>
+    <p:bg>
+      <p:bgRef idx="1001">
+        <a:schemeClr val="bg1"/>
+      </p:bgRef>
+    </p:bg>
+    <p:spTree>
+      <p:nvGrpSpPr>
+        <p:cNvPr id="1" name=""/>
+        <p:cNvGrpSpPr/>
+        <p:nvPr/>
+      </p:nvGrpSpPr>
+      <p:grpSpPr>
+        <a:xfrm>
+          <a:off x="0" y="0"/>
+          <a:ext cx="0" cy="0"/>
+          <a:chOff x="0" y="0"/>
+          <a:chExt cx="0" cy="0"/>
+        </a:xfrm>
+      </p:grpSpPr>
+      <p:sp>
+        <p:nvSpPr>
+          <p:cNvPr id="2" name="Espace réservé de l'en-tête 1"/>
+          <p:cNvSpPr>
+            <a:spLocks noGrp="1"/>
+          </p:cNvSpPr>
+          <p:nvPr>
+            <p:ph type="hdr" sz="quarter"/>
+          </p:nvPr>
+        </p:nvSpPr>
+        <p:spPr>
+          <a:xfrm>
+            <a:off x="0" y="0"/>
+            <a:ext cx="2971800" cy="458788"/>
+          </a:xfrm>
+          <a:prstGeom prst="rect">
+            <a:avLst/>
+          </a:prstGeom>
+        </p:spPr>
+        <p:txBody>
+          <a:bodyPr vert="horz" lIns="91440" tIns="45720" rIns="91440" bIns="45720" rtlCol="0"/>
+          <a:lstStyle>
+            <a:lvl1pPr algn="l">
+              <a:defRPr sz="1200"/>
+            </a:lvl1pPr>
+          </a:lstStyle>
+          <a:p>
+            <a:endParaRPr lang="fr-FR"/>
+          </a:p>
+        </p:txBody>
+      </p:sp>
+      <p:sp>
+        <p:nvSpPr>
+          <p:cNvPr id="3" name="Espace réservé de la date 2"/>
+          <p:cNvSpPr>
+            <a:spLocks noGrp="1"/>
+          </p:cNvSpPr>
+          <p:nvPr>
+            <p:ph type="dt" idx="1"/>
+          </p:nvPr>
+        </p:nvSpPr>
+        <p:spPr>
+          <a:xfrm>
+            <a:off x="3884613" y="0"/>
+            <a:ext cx="2971800" cy="458788"/>
+          </a:xfrm>
+          <a:prstGeom prst="rect">
+            <a:avLst/>
+          </a:prstGeom>
+        </p:spPr>
+        <p:txBody>
+          <a:bodyPr vert="horz" lIns="91440" tIns="45720" rIns="91440" bIns="45720" rtlCol="0"/>
+          <a:lstStyle>
+            <a:lvl1pPr algn="r">
+              <a:defRPr sz="1200"/>
+            </a:lvl1pPr>
+          </a:lstStyle>
+          <a:p>
+            <a:fld id="{539D0E85-6A64-4021-91C8-113DECF99D68}" type="datetimeFigureOut">
+              <a:rPr lang="fr-FR" smtClean="0"/>
+              <a:t>21/01/2020</a:t>
+            </a:fld>
+            <a:endParaRPr lang="fr-FR"/>
+          </a:p>
+        </p:txBody>
+      </p:sp>
+      <p:sp>
+        <p:nvSpPr>
+          <p:cNvPr id="4" name="Espace réservé de l'image des diapositives 3"/>
+          <p:cNvSpPr>
+            <a:spLocks noGrp="1" noRot="1" noChangeAspect="1"/>
+          </p:cNvSpPr>
+          <p:nvPr>
+            <p:ph type="sldImg" idx="2"/>
+          </p:nvPr>
+        </p:nvSpPr>
+        <p:spPr>
+          <a:xfrm>
+            <a:off x="685800" y="1143000"/>
+            <a:ext cx="5486400" cy="3086100"/>
+          </a:xfrm>
+          <a:prstGeom prst="rect">
+            <a:avLst/>
+          </a:prstGeom>
+          <a:noFill/>
+          <a:ln w="12700">
+            <a:solidFill>
+              <a:prstClr val="black"/>
+            </a:solidFill>
+          </a:ln>
+        </p:spPr>
+        <p:txBody>
+          <a:bodyPr vert="horz" lIns="91440" tIns="45720" rIns="91440" bIns="45720" rtlCol="0" anchor="ctr"/>
+          <a:lstStyle/>
+          <a:p>
+            <a:endParaRPr lang="fr-FR"/>
+          </a:p>
+        </p:txBody>
+      </p:sp>
+      <p:sp>
+        <p:nvSpPr>
+          <p:cNvPr id="5" name="Espace réservé des notes 4"/>
+          <p:cNvSpPr>
+            <a:spLocks noGrp="1"/>
+          </p:cNvSpPr>
+          <p:nvPr>
+            <p:ph type="body" sz="quarter" idx="3"/>
+          </p:nvPr>
+        </p:nvSpPr>
+        <p:spPr>
+          <a:xfrm>
+            <a:off x="685800" y="4400550"/>
+            <a:ext cx="5486400" cy="3600450"/>
+          </a:xfrm>
+          <a:prstGeom prst="rect">
+            <a:avLst/>
+          </a:prstGeom>
+        </p:spPr>
+        <p:txBody>
+          <a:bodyPr vert="horz" lIns="91440" tIns="45720" rIns="91440" bIns="45720" rtlCol="0"/>
+          <a:lstStyle/>
+          <a:p>
+            <a:pPr lvl="0"/>
+            <a:r>
+              <a:rPr lang="fr-FR" smtClean="0"/>
+              <a:t>Modifier les styles du texte du masque</a:t>
+            </a:r>
+          </a:p>
+          <a:p>
+            <a:pPr lvl="1"/>
+            <a:r>
+              <a:rPr lang="fr-FR" smtClean="0"/>
+              <a:t>Deuxième niveau</a:t>
+            </a:r>
+          </a:p>
+          <a:p>
+            <a:pPr lvl="2"/>
+            <a:r>
+              <a:rPr lang="fr-FR" smtClean="0"/>
+              <a:t>Troisième niveau</a:t>
+            </a:r>
+          </a:p>
+          <a:p>
+            <a:pPr lvl="3"/>
+            <a:r>
+              <a:rPr lang="fr-FR" smtClean="0"/>
+              <a:t>Quatrième niveau</a:t>
+            </a:r>
+          </a:p>
+          <a:p>
+            <a:pPr lvl="4"/>
+            <a:r>
+              <a:rPr lang="fr-FR" smtClean="0"/>
+              <a:t>Cinquième niveau</a:t>
+            </a:r>
+            <a:endParaRPr lang="fr-FR"/>
+          </a:p>
+        </p:txBody>
+      </p:sp>
+      <p:sp>
+        <p:nvSpPr>
+          <p:cNvPr id="6" name="Espace réservé du pied de page 5"/>
+          <p:cNvSpPr>
+            <a:spLocks noGrp="1"/>
+          </p:cNvSpPr>
+          <p:nvPr>
+            <p:ph type="ftr" sz="quarter" idx="4"/>
+          </p:nvPr>
+        </p:nvSpPr>
+        <p:spPr>
+          <a:xfrm>
+            <a:off x="0" y="8685213"/>
+            <a:ext cx="2971800" cy="458787"/>
+          </a:xfrm>
+          <a:prstGeom prst="rect">
+            <a:avLst/>
+          </a:prstGeom>
+        </p:spPr>
+        <p:txBody>
+          <a:bodyPr vert="horz" lIns="91440" tIns="45720" rIns="91440" bIns="45720" rtlCol="0" anchor="b"/>
+          <a:lstStyle>
+            <a:lvl1pPr algn="l">
+              <a:defRPr sz="1200"/>
+            </a:lvl1pPr>
+          </a:lstStyle>
+          <a:p>
+            <a:endParaRPr lang="fr-FR"/>
+          </a:p>
+        </p:txBody>
+      </p:sp>
+      <p:sp>
+        <p:nvSpPr>
+          <p:cNvPr id="7" name="Espace réservé du numéro de diapositive 6"/>
+          <p:cNvSpPr>
+            <a:spLocks noGrp="1"/>
+          </p:cNvSpPr>
+          <p:nvPr>
+            <p:ph type="sldNum" sz="quarter" idx="5"/>
+          </p:nvPr>
+        </p:nvSpPr>
+        <p:spPr>
+          <a:xfrm>
+            <a:off x="3884613" y="8685213"/>
+            <a:ext cx="2971800" cy="458787"/>
+          </a:xfrm>
+          <a:prstGeom prst="rect">
+            <a:avLst/>
+          </a:prstGeom>
+        </p:spPr>
+        <p:txBody>
+          <a:bodyPr vert="horz" lIns="91440" tIns="45720" rIns="91440" bIns="45720" rtlCol="0" anchor="b"/>
+          <a:lstStyle>
+            <a:lvl1pPr algn="r">
+              <a:defRPr sz="1200"/>
+            </a:lvl1pPr>
+          </a:lstStyle>
+          <a:p>
+            <a:fld id="{0488FEE5-5727-486C-856B-BCEAFB460150}" type="slidenum">
+              <a:rPr lang="fr-FR" smtClean="0"/>
+              <a:t>‹N°›</a:t>
+            </a:fld>
+            <a:endParaRPr lang="fr-FR"/>
+          </a:p>
+        </p:txBody>
+      </p:sp>
+    </p:spTree>
+    <p:extLst>
+      <p:ext uri="{BB962C8B-B14F-4D97-AF65-F5344CB8AC3E}">
+        <p14:creationId xmlns:p14="http://schemas.microsoft.com/office/powerpoint/2010/main" val="4064719654"/>
+      </p:ext>
+    </p:extLst>
+  </p:cSld>
+  <p:clrMap bg1="lt1" tx1="dk1" bg2="lt2" tx2="dk2" accent1="accent1" accent2="accent2" accent3="accent3" accent4="accent4" accent5="accent5" accent6="accent6" hlink="hlink" folHlink="folHlink"/>
+  <p:notesStyle>
+    <a:lvl1pPr marL="0" algn="l" defTabSz="914400" rtl="0" eaLnBrk="1" latinLnBrk="0" hangingPunct="1">
+      <a:defRPr sz="1200" kern="1200">
+        <a:solidFill>
+          <a:schemeClr val="tx1"/>
+        </a:solidFill>
+        <a:latin typeface="+mn-lt"/>
+        <a:ea typeface="+mn-ea"/>
+        <a:cs typeface="+mn-cs"/>
+      </a:defRPr>
+    </a:lvl1pPr>
+    <a:lvl2pPr marL="457200" algn="l" defTabSz="914400" rtl="0" eaLnBrk="1" latinLnBrk="0" hangingPunct="1">
+      <a:defRPr sz="1200" kern="1200">
+        <a:solidFill>
+          <a:schemeClr val="tx1"/>
+        </a:solidFill>
+        <a:latin typeface="+mn-lt"/>
+        <a:ea typeface="+mn-ea"/>
+        <a:cs typeface="+mn-cs"/>
+      </a:defRPr>
+    </a:lvl2pPr>
+    <a:lvl3pPr marL="914400" algn="l" defTabSz="914400" rtl="0" eaLnBrk="1" latinLnBrk="0" hangingPunct="1">
+      <a:defRPr sz="1200" kern="1200">
+        <a:solidFill>
+          <a:schemeClr val="tx1"/>
+        </a:solidFill>
+        <a:latin typeface="+mn-lt"/>
+        <a:ea typeface="+mn-ea"/>
+        <a:cs typeface="+mn-cs"/>
+      </a:defRPr>
+    </a:lvl3pPr>
+    <a:lvl4pPr marL="1371600" algn="l" defTabSz="914400" rtl="0" eaLnBrk="1" latinLnBrk="0" hangingPunct="1">
+      <a:defRPr sz="1200" kern="1200">
+        <a:solidFill>
+          <a:schemeClr val="tx1"/>
+        </a:solidFill>
+        <a:latin typeface="+mn-lt"/>
+        <a:ea typeface="+mn-ea"/>
+        <a:cs typeface="+mn-cs"/>
+      </a:defRPr>
+    </a:lvl4pPr>
+    <a:lvl5pPr marL="1828800" algn="l" defTabSz="914400" rtl="0" eaLnBrk="1" latinLnBrk="0" hangingPunct="1">
+      <a:defRPr sz="1200" kern="1200">
+        <a:solidFill>
+          <a:schemeClr val="tx1"/>
+        </a:solidFill>
+        <a:latin typeface="+mn-lt"/>
+        <a:ea typeface="+mn-ea"/>
+        <a:cs typeface="+mn-cs"/>
+      </a:defRPr>
+    </a:lvl5pPr>
+    <a:lvl6pPr marL="2286000" algn="l" defTabSz="914400" rtl="0" eaLnBrk="1" latinLnBrk="0" hangingPunct="1">
+      <a:defRPr sz="1200" kern="1200">
+        <a:solidFill>
+          <a:schemeClr val="tx1"/>
+        </a:solidFill>
+        <a:latin typeface="+mn-lt"/>
+        <a:ea typeface="+mn-ea"/>
+        <a:cs typeface="+mn-cs"/>
+      </a:defRPr>
+    </a:lvl6pPr>
+    <a:lvl7pPr marL="2743200" algn="l" defTabSz="914400" rtl="0" eaLnBrk="1" latinLnBrk="0" hangingPunct="1">
+      <a:defRPr sz="1200" kern="1200">
+        <a:solidFill>
+          <a:schemeClr val="tx1"/>
+        </a:solidFill>
+        <a:latin typeface="+mn-lt"/>
+        <a:ea typeface="+mn-ea"/>
+        <a:cs typeface="+mn-cs"/>
+      </a:defRPr>
+    </a:lvl7pPr>
+    <a:lvl8pPr marL="3200400" algn="l" defTabSz="914400" rtl="0" eaLnBrk="1" latinLnBrk="0" hangingPunct="1">
+      <a:defRPr sz="1200" kern="1200">
+        <a:solidFill>
+          <a:schemeClr val="tx1"/>
+        </a:solidFill>
+        <a:latin typeface="+mn-lt"/>
+        <a:ea typeface="+mn-ea"/>
+        <a:cs typeface="+mn-cs"/>
+      </a:defRPr>
+    </a:lvl8pPr>
+    <a:lvl9pPr marL="3657600" algn="l" defTabSz="914400" rtl="0" eaLnBrk="1" latinLnBrk="0" hangingPunct="1">
+      <a:defRPr sz="1200" kern="1200">
+        <a:solidFill>
+          <a:schemeClr val="tx1"/>
+        </a:solidFill>
+        <a:latin typeface="+mn-lt"/>
+        <a:ea typeface="+mn-ea"/>
+        <a:cs typeface="+mn-cs"/>
+      </a:defRPr>
+    </a:lvl9pPr>
+  </p:notesStyle>
+</p:notesMaster>
+</file>
+
+<file path=ppt/notesSlides/notesSlide1.xml><?xml version="1.0" encoding="utf-8"?>
+<p:notes xmlns:a="http://schemas.openxmlformats.org/drawingml/2006/main" xmlns:r="http://schemas.openxmlformats.org/officeDocument/2006/relationships" xmlns:p="http://schemas.openxmlformats.org/presentationml/2006/main">
+  <p:cSld>
+    <p:spTree>
+      <p:nvGrpSpPr>
+        <p:cNvPr id="1" name=""/>
+        <p:cNvGrpSpPr/>
+        <p:nvPr/>
+      </p:nvGrpSpPr>
+      <p:grpSpPr>
+        <a:xfrm>
+          <a:off x="0" y="0"/>
+          <a:ext cx="0" cy="0"/>
+          <a:chOff x="0" y="0"/>
+          <a:chExt cx="0" cy="0"/>
+        </a:xfrm>
+      </p:grpSpPr>
+      <p:sp>
+        <p:nvSpPr>
+          <p:cNvPr id="2" name="Espace réservé de l'image des diapositives 1"/>
+          <p:cNvSpPr>
+            <a:spLocks noGrp="1" noRot="1" noChangeAspect="1"/>
+          </p:cNvSpPr>
+          <p:nvPr>
+            <p:ph type="sldImg"/>
+          </p:nvPr>
+        </p:nvSpPr>
+        <p:spPr/>
+      </p:sp>
+      <p:sp>
+        <p:nvSpPr>
+          <p:cNvPr id="3" name="Espace réservé des notes 2"/>
+          <p:cNvSpPr>
+            <a:spLocks noGrp="1"/>
+          </p:cNvSpPr>
+          <p:nvPr>
+            <p:ph type="body" idx="1"/>
+          </p:nvPr>
+        </p:nvSpPr>
+        <p:spPr/>
+        <p:txBody>
+          <a:bodyPr/>
+          <a:lstStyle/>
+          <a:p>
+            <a:endParaRPr lang="fr-FR" dirty="0"/>
+          </a:p>
+        </p:txBody>
+      </p:sp>
+      <p:sp>
+        <p:nvSpPr>
+          <p:cNvPr id="4" name="Espace réservé du numéro de diapositive 3"/>
+          <p:cNvSpPr>
+            <a:spLocks noGrp="1"/>
+          </p:cNvSpPr>
+          <p:nvPr>
+            <p:ph type="sldNum" sz="quarter" idx="10"/>
+          </p:nvPr>
+        </p:nvSpPr>
+        <p:spPr/>
+        <p:txBody>
+          <a:bodyPr/>
+          <a:lstStyle/>
+          <a:p>
+            <a:fld id="{0488FEE5-5727-486C-856B-BCEAFB460150}" type="slidenum">
+              <a:rPr lang="fr-FR" smtClean="0"/>
+              <a:t>1</a:t>
+            </a:fld>
+            <a:endParaRPr lang="fr-FR"/>
+          </a:p>
+        </p:txBody>
+      </p:sp>
+    </p:spTree>
+    <p:extLst>
+      <p:ext uri="{BB962C8B-B14F-4D97-AF65-F5344CB8AC3E}">
+        <p14:creationId xmlns:p14="http://schemas.microsoft.com/office/powerpoint/2010/main" val="4035224327"/>
+      </p:ext>
+    </p:extLst>
+  </p:cSld>
+  <p:clrMapOvr>
+    <a:masterClrMapping/>
+  </p:clrMapOvr>
+</p:notes>
 </file>
 
 <file path=ppt/slideLayouts/slideLayout1.xml><?xml version="1.0" encoding="utf-8"?>
@@ -6225,6 +6667,108 @@
   <p:clrMapOvr>
     <a:masterClrMapping/>
   </p:clrMapOvr>
+  <p:timing>
+    <p:tnLst>
+      <p:par>
+        <p:cTn id="1" dur="indefinite" restart="never" nodeType="tmRoot"/>
+      </p:par>
+    </p:tnLst>
+  </p:timing>
+</p:sld>
+</file>
+
+<file path=ppt/slides/slide10.xml><?xml version="1.0" encoding="utf-8"?>
+<p:sld xmlns:a="http://schemas.openxmlformats.org/drawingml/2006/main" xmlns:r="http://schemas.openxmlformats.org/officeDocument/2006/relationships" xmlns:p="http://schemas.openxmlformats.org/presentationml/2006/main">
+  <p:cSld>
+    <p:spTree>
+      <p:nvGrpSpPr>
+        <p:cNvPr id="1" name=""/>
+        <p:cNvGrpSpPr/>
+        <p:nvPr/>
+      </p:nvGrpSpPr>
+      <p:grpSpPr>
+        <a:xfrm>
+          <a:off x="0" y="0"/>
+          <a:ext cx="0" cy="0"/>
+          <a:chOff x="0" y="0"/>
+          <a:chExt cx="0" cy="0"/>
+        </a:xfrm>
+      </p:grpSpPr>
+      <p:sp>
+        <p:nvSpPr>
+          <p:cNvPr id="3" name="Espace réservé du contenu 2"/>
+          <p:cNvSpPr>
+            <a:spLocks noGrp="1"/>
+          </p:cNvSpPr>
+          <p:nvPr>
+            <p:ph idx="1"/>
+          </p:nvPr>
+        </p:nvSpPr>
+        <p:spPr>
+          <a:xfrm>
+            <a:off x="1484310" y="767255"/>
+            <a:ext cx="10018713" cy="5023945"/>
+          </a:xfrm>
+        </p:spPr>
+        <p:txBody>
+          <a:bodyPr>
+            <a:normAutofit/>
+          </a:bodyPr>
+          <a:lstStyle/>
+          <a:p>
+            <a:r>
+              <a:rPr lang="fr-FR" sz="2800" dirty="0" err="1" smtClean="0"/>
+              <a:t>phpMyAdmin</a:t>
+            </a:r>
+            <a:r>
+              <a:rPr lang="fr-FR" sz="2800" dirty="0" smtClean="0"/>
+              <a:t> : </a:t>
+            </a:r>
+            <a:r>
+              <a:rPr lang="fr-FR" sz="2800" smtClean="0"/>
+              <a:t>Interface graphique pour </a:t>
+            </a:r>
+            <a:r>
+              <a:rPr lang="fr-FR" sz="2800" dirty="0" smtClean="0"/>
+              <a:t>bases de données</a:t>
+            </a:r>
+          </a:p>
+          <a:p>
+            <a:endParaRPr lang="fr-FR" sz="2800" dirty="0" smtClean="0"/>
+          </a:p>
+          <a:p>
+            <a:r>
+              <a:rPr lang="fr-FR" sz="2800" dirty="0" smtClean="0"/>
+              <a:t>Git : Logiciel de gestion de version</a:t>
+            </a:r>
+            <a:endParaRPr lang="fr-FR" sz="2800" dirty="0"/>
+          </a:p>
+          <a:p>
+            <a:endParaRPr lang="fr-FR" sz="2800" dirty="0"/>
+          </a:p>
+          <a:p>
+            <a:r>
+              <a:rPr lang="fr-FR" sz="2800" dirty="0" err="1" smtClean="0"/>
+              <a:t>GitKraken</a:t>
+            </a:r>
+            <a:r>
+              <a:rPr lang="fr-FR" sz="2800" dirty="0" smtClean="0"/>
+              <a:t> : Interface graphique pour Git</a:t>
+            </a:r>
+            <a:endParaRPr lang="fr-FR" sz="2800" dirty="0"/>
+          </a:p>
+        </p:txBody>
+      </p:sp>
+    </p:spTree>
+    <p:extLst>
+      <p:ext uri="{BB962C8B-B14F-4D97-AF65-F5344CB8AC3E}">
+        <p14:creationId xmlns:p14="http://schemas.microsoft.com/office/powerpoint/2010/main" val="1116153839"/>
+      </p:ext>
+    </p:extLst>
+  </p:cSld>
+  <p:clrMapOvr>
+    <a:masterClrMapping/>
+  </p:clrMapOvr>
 </p:sld>
 </file>
 
@@ -6293,6 +6837,13 @@
   <p:clrMapOvr>
     <a:masterClrMapping/>
   </p:clrMapOvr>
+  <p:timing>
+    <p:tnLst>
+      <p:par>
+        <p:cTn id="1" dur="indefinite" restart="never" nodeType="tmRoot"/>
+      </p:par>
+    </p:tnLst>
+  </p:timing>
 </p:sld>
 </file>
 
@@ -6367,11 +6918,7 @@
             </a:pPr>
             <a:r>
               <a:rPr lang="fr-FR" dirty="0" smtClean="0"/>
-              <a:t>Pôle </a:t>
-            </a:r>
-            <a:r>
-              <a:rPr lang="fr-FR" dirty="0" smtClean="0"/>
-              <a:t>Emploi</a:t>
+              <a:t>Pôle Emploi</a:t>
             </a:r>
           </a:p>
           <a:p>
@@ -6411,6 +6958,13 @@
   <p:clrMapOvr>
     <a:masterClrMapping/>
   </p:clrMapOvr>
+  <p:timing>
+    <p:tnLst>
+      <p:par>
+        <p:cTn id="1" dur="indefinite" restart="never" nodeType="tmRoot"/>
+      </p:par>
+    </p:tnLst>
+  </p:timing>
 </p:sld>
 </file>
 
@@ -6487,7 +7041,6 @@
               <a:rPr lang="fr-FR" dirty="0" smtClean="0"/>
               <a:t>binôme</a:t>
             </a:r>
-            <a:endParaRPr lang="fr-FR" dirty="0" smtClean="0"/>
           </a:p>
           <a:p>
             <a:r>
@@ -6507,6 +7060,13 @@
   <p:clrMapOvr>
     <a:masterClrMapping/>
   </p:clrMapOvr>
+  <p:timing>
+    <p:tnLst>
+      <p:par>
+        <p:cTn id="1" dur="indefinite" restart="never" nodeType="tmRoot"/>
+      </p:par>
+    </p:tnLst>
+  </p:timing>
 </p:sld>
 </file>
 
@@ -6573,13 +7133,45 @@
           <a:p>
             <a:r>
               <a:rPr lang="fr-FR" dirty="0" smtClean="0"/>
-              <a:t>Pour répondre aux sujets existants</a:t>
-            </a:r>
-          </a:p>
-          <a:p>
+              <a:t>Pouvoir </a:t>
+            </a:r>
             <a:r>
               <a:rPr lang="fr-FR" dirty="0" smtClean="0"/>
-              <a:t>Forum accessible seulement si connecté</a:t>
+              <a:t>répondre aux sujets </a:t>
+            </a:r>
+            <a:r>
+              <a:rPr lang="fr-FR" dirty="0" smtClean="0"/>
+              <a:t>existants</a:t>
+            </a:r>
+          </a:p>
+          <a:p>
+            <a:r>
+              <a:rPr lang="fr-FR" dirty="0" smtClean="0"/>
+              <a:t>Pouvoir supprimer les sujets et commentaires</a:t>
+            </a:r>
+            <a:endParaRPr lang="fr-FR" dirty="0" smtClean="0"/>
+          </a:p>
+          <a:p>
+            <a:r>
+              <a:rPr lang="fr-FR" dirty="0" smtClean="0"/>
+              <a:t>Forum accessible seulement si </a:t>
+            </a:r>
+            <a:r>
+              <a:rPr lang="fr-FR" dirty="0" smtClean="0"/>
+              <a:t>connecté</a:t>
+            </a:r>
+          </a:p>
+          <a:p>
+            <a:r>
+              <a:rPr lang="fr-FR" dirty="0" smtClean="0"/>
+              <a:t>Possibilité de bannir les utilisateurs</a:t>
+            </a:r>
+            <a:endParaRPr lang="fr-FR" dirty="0" smtClean="0"/>
+          </a:p>
+          <a:p>
+            <a:r>
+              <a:rPr lang="fr-FR" dirty="0" smtClean="0"/>
+              <a:t>3 rôles</a:t>
             </a:r>
             <a:endParaRPr lang="fr-FR" dirty="0"/>
           </a:p>
@@ -6589,6 +7181,788 @@
     <p:extLst>
       <p:ext uri="{BB962C8B-B14F-4D97-AF65-F5344CB8AC3E}">
         <p14:creationId xmlns:p14="http://schemas.microsoft.com/office/powerpoint/2010/main" val="3544506310"/>
+      </p:ext>
+    </p:extLst>
+  </p:cSld>
+  <p:clrMapOvr>
+    <a:masterClrMapping/>
+  </p:clrMapOvr>
+  <p:timing>
+    <p:tnLst>
+      <p:par>
+        <p:cTn id="1" dur="indefinite" restart="never" nodeType="tmRoot"/>
+      </p:par>
+    </p:tnLst>
+  </p:timing>
+</p:sld>
+</file>
+
+<file path=ppt/slides/slide6.xml><?xml version="1.0" encoding="utf-8"?>
+<p:sld xmlns:a="http://schemas.openxmlformats.org/drawingml/2006/main" xmlns:r="http://schemas.openxmlformats.org/officeDocument/2006/relationships" xmlns:p="http://schemas.openxmlformats.org/presentationml/2006/main">
+  <p:cSld>
+    <p:spTree>
+      <p:nvGrpSpPr>
+        <p:cNvPr id="1" name=""/>
+        <p:cNvGrpSpPr/>
+        <p:nvPr/>
+      </p:nvGrpSpPr>
+      <p:grpSpPr>
+        <a:xfrm>
+          <a:off x="0" y="0"/>
+          <a:ext cx="0" cy="0"/>
+          <a:chOff x="0" y="0"/>
+          <a:chExt cx="0" cy="0"/>
+        </a:xfrm>
+      </p:grpSpPr>
+      <p:sp>
+        <p:nvSpPr>
+          <p:cNvPr id="2" name="Titre 1"/>
+          <p:cNvSpPr>
+            <a:spLocks noGrp="1"/>
+          </p:cNvSpPr>
+          <p:nvPr>
+            <p:ph type="title"/>
+          </p:nvPr>
+        </p:nvSpPr>
+        <p:spPr/>
+        <p:txBody>
+          <a:bodyPr>
+            <a:normAutofit/>
+          </a:bodyPr>
+          <a:lstStyle/>
+          <a:p>
+            <a:r>
+              <a:rPr lang="fr-FR" sz="3200" dirty="0" smtClean="0"/>
+              <a:t/>
+            </a:r>
+            <a:br>
+              <a:rPr lang="fr-FR" sz="3200" dirty="0" smtClean="0"/>
+            </a:br>
+            <a:r>
+              <a:rPr lang="fr-FR" sz="3200" dirty="0"/>
+              <a:t/>
+            </a:r>
+            <a:br>
+              <a:rPr lang="fr-FR" sz="3200" dirty="0"/>
+            </a:br>
+            <a:r>
+              <a:rPr lang="fr-FR" sz="3200" dirty="0" smtClean="0"/>
+              <a:t>Membre :</a:t>
+            </a:r>
+            <a:endParaRPr lang="fr-FR" sz="3200" dirty="0"/>
+          </a:p>
+        </p:txBody>
+      </p:sp>
+      <p:sp>
+        <p:nvSpPr>
+          <p:cNvPr id="3" name="Espace réservé du contenu 2"/>
+          <p:cNvSpPr>
+            <a:spLocks noGrp="1"/>
+          </p:cNvSpPr>
+          <p:nvPr>
+            <p:ph idx="1"/>
+          </p:nvPr>
+        </p:nvSpPr>
+        <p:spPr/>
+        <p:txBody>
+          <a:bodyPr/>
+          <a:lstStyle/>
+          <a:p>
+            <a:r>
+              <a:rPr lang="fr-FR" dirty="0" smtClean="0"/>
+              <a:t>Peut voir les sujets</a:t>
+            </a:r>
+          </a:p>
+          <a:p>
+            <a:r>
+              <a:rPr lang="fr-FR" dirty="0" smtClean="0"/>
+              <a:t>Peut créer un sujets</a:t>
+            </a:r>
+          </a:p>
+          <a:p>
+            <a:r>
+              <a:rPr lang="fr-FR" dirty="0" smtClean="0"/>
+              <a:t>Peut répondre à un sujet</a:t>
+            </a:r>
+          </a:p>
+          <a:p>
+            <a:endParaRPr lang="fr-FR" dirty="0"/>
+          </a:p>
+          <a:p>
+            <a:endParaRPr lang="fr-FR" dirty="0" smtClean="0"/>
+          </a:p>
+        </p:txBody>
+      </p:sp>
+    </p:spTree>
+    <p:extLst>
+      <p:ext uri="{BB962C8B-B14F-4D97-AF65-F5344CB8AC3E}">
+        <p14:creationId xmlns:p14="http://schemas.microsoft.com/office/powerpoint/2010/main" val="2091803545"/>
+      </p:ext>
+    </p:extLst>
+  </p:cSld>
+  <p:clrMapOvr>
+    <a:masterClrMapping/>
+  </p:clrMapOvr>
+  <p:timing>
+    <p:tnLst>
+      <p:par>
+        <p:cTn id="1" dur="indefinite" restart="never" nodeType="tmRoot"/>
+      </p:par>
+    </p:tnLst>
+  </p:timing>
+</p:sld>
+</file>
+
+<file path=ppt/slides/slide7.xml><?xml version="1.0" encoding="utf-8"?>
+<p:sld xmlns:a="http://schemas.openxmlformats.org/drawingml/2006/main" xmlns:r="http://schemas.openxmlformats.org/officeDocument/2006/relationships" xmlns:p="http://schemas.openxmlformats.org/presentationml/2006/main">
+  <p:cSld>
+    <p:spTree>
+      <p:nvGrpSpPr>
+        <p:cNvPr id="1" name=""/>
+        <p:cNvGrpSpPr/>
+        <p:nvPr/>
+      </p:nvGrpSpPr>
+      <p:grpSpPr>
+        <a:xfrm>
+          <a:off x="0" y="0"/>
+          <a:ext cx="0" cy="0"/>
+          <a:chOff x="0" y="0"/>
+          <a:chExt cx="0" cy="0"/>
+        </a:xfrm>
+      </p:grpSpPr>
+      <p:sp>
+        <p:nvSpPr>
+          <p:cNvPr id="2" name="Titre 1"/>
+          <p:cNvSpPr>
+            <a:spLocks noGrp="1"/>
+          </p:cNvSpPr>
+          <p:nvPr>
+            <p:ph type="title"/>
+          </p:nvPr>
+        </p:nvSpPr>
+        <p:spPr/>
+        <p:txBody>
+          <a:bodyPr>
+            <a:normAutofit/>
+          </a:bodyPr>
+          <a:lstStyle/>
+          <a:p>
+            <a:pPr algn="l"/>
+            <a:r>
+              <a:rPr lang="fr-FR" sz="3200" dirty="0" smtClean="0"/>
+              <a:t/>
+            </a:r>
+            <a:br>
+              <a:rPr lang="fr-FR" sz="3200" dirty="0" smtClean="0"/>
+            </a:br>
+            <a:r>
+              <a:rPr lang="fr-FR" sz="3200" dirty="0"/>
+              <a:t/>
+            </a:r>
+            <a:br>
+              <a:rPr lang="fr-FR" sz="3200" dirty="0"/>
+            </a:br>
+            <a:r>
+              <a:rPr lang="fr-FR" sz="3200" dirty="0" smtClean="0"/>
+              <a:t>              Modérateur                              Administrateur</a:t>
+            </a:r>
+            <a:endParaRPr lang="fr-FR" sz="3200" dirty="0"/>
+          </a:p>
+        </p:txBody>
+      </p:sp>
+      <p:sp>
+        <p:nvSpPr>
+          <p:cNvPr id="3" name="Espace réservé du contenu 2"/>
+          <p:cNvSpPr>
+            <a:spLocks noGrp="1"/>
+          </p:cNvSpPr>
+          <p:nvPr>
+            <p:ph sz="half" idx="1"/>
+          </p:nvPr>
+        </p:nvSpPr>
+        <p:spPr/>
+        <p:txBody>
+          <a:bodyPr/>
+          <a:lstStyle/>
+          <a:p>
+            <a:r>
+              <a:rPr lang="fr-FR" sz="2000" dirty="0" smtClean="0"/>
+              <a:t>A les droits des membres</a:t>
+            </a:r>
+          </a:p>
+          <a:p>
+            <a:r>
+              <a:rPr lang="fr-FR" sz="2000" dirty="0" smtClean="0"/>
+              <a:t>Peut supprimer un sujet ou un commentaire</a:t>
+            </a:r>
+          </a:p>
+          <a:p>
+            <a:r>
+              <a:rPr lang="fr-FR" sz="2000" dirty="0" smtClean="0"/>
+              <a:t>Peut bannir ou amnistier un utilisateur</a:t>
+            </a:r>
+          </a:p>
+          <a:p>
+            <a:endParaRPr lang="fr-FR" dirty="0"/>
+          </a:p>
+          <a:p>
+            <a:endParaRPr lang="fr-FR" dirty="0"/>
+          </a:p>
+        </p:txBody>
+      </p:sp>
+      <p:sp>
+        <p:nvSpPr>
+          <p:cNvPr id="4" name="Espace réservé du contenu 3"/>
+          <p:cNvSpPr>
+            <a:spLocks noGrp="1"/>
+          </p:cNvSpPr>
+          <p:nvPr>
+            <p:ph sz="half" idx="2"/>
+          </p:nvPr>
+        </p:nvSpPr>
+        <p:spPr/>
+        <p:txBody>
+          <a:bodyPr/>
+          <a:lstStyle/>
+          <a:p>
+            <a:r>
+              <a:rPr lang="fr-FR" sz="2000" dirty="0" smtClean="0"/>
+              <a:t>A les droits des modérateurs</a:t>
+            </a:r>
+          </a:p>
+          <a:p>
+            <a:r>
+              <a:rPr lang="fr-FR" sz="2000" dirty="0" smtClean="0"/>
+              <a:t>Peut attribuer les rôles</a:t>
+            </a:r>
+          </a:p>
+          <a:p>
+            <a:endParaRPr lang="fr-FR" dirty="0"/>
+          </a:p>
+          <a:p>
+            <a:endParaRPr lang="fr-FR" dirty="0"/>
+          </a:p>
+        </p:txBody>
+      </p:sp>
+    </p:spTree>
+    <p:extLst>
+      <p:ext uri="{BB962C8B-B14F-4D97-AF65-F5344CB8AC3E}">
+        <p14:creationId xmlns:p14="http://schemas.microsoft.com/office/powerpoint/2010/main" val="1802593407"/>
+      </p:ext>
+    </p:extLst>
+  </p:cSld>
+  <p:clrMapOvr>
+    <a:masterClrMapping/>
+  </p:clrMapOvr>
+</p:sld>
+</file>
+
+<file path=ppt/slides/slide8.xml><?xml version="1.0" encoding="utf-8"?>
+<p:sld xmlns:a="http://schemas.openxmlformats.org/drawingml/2006/main" xmlns:r="http://schemas.openxmlformats.org/officeDocument/2006/relationships" xmlns:p="http://schemas.openxmlformats.org/presentationml/2006/main">
+  <p:cSld>
+    <p:spTree>
+      <p:nvGrpSpPr>
+        <p:cNvPr id="1" name=""/>
+        <p:cNvGrpSpPr/>
+        <p:nvPr/>
+      </p:nvGrpSpPr>
+      <p:grpSpPr>
+        <a:xfrm>
+          <a:off x="0" y="0"/>
+          <a:ext cx="0" cy="0"/>
+          <a:chOff x="0" y="0"/>
+          <a:chExt cx="0" cy="0"/>
+        </a:xfrm>
+      </p:grpSpPr>
+      <p:sp>
+        <p:nvSpPr>
+          <p:cNvPr id="2" name="Titre 1"/>
+          <p:cNvSpPr>
+            <a:spLocks noGrp="1"/>
+          </p:cNvSpPr>
+          <p:nvPr>
+            <p:ph type="title"/>
+          </p:nvPr>
+        </p:nvSpPr>
+        <p:spPr/>
+        <p:txBody>
+          <a:bodyPr/>
+          <a:lstStyle/>
+          <a:p>
+            <a:r>
+              <a:rPr lang="fr-FR" dirty="0" smtClean="0"/>
+              <a:t>Arborescence</a:t>
+            </a:r>
+            <a:br>
+              <a:rPr lang="fr-FR" dirty="0" smtClean="0"/>
+            </a:br>
+            <a:endParaRPr lang="fr-FR" dirty="0"/>
+          </a:p>
+        </p:txBody>
+      </p:sp>
+      <p:pic>
+        <p:nvPicPr>
+          <p:cNvPr id="6" name="Espace réservé du contenu 5"/>
+          <p:cNvPicPr>
+            <a:picLocks noGrp="1" noChangeAspect="1"/>
+          </p:cNvPicPr>
+          <p:nvPr>
+            <p:ph idx="1"/>
+          </p:nvPr>
+        </p:nvPicPr>
+        <p:blipFill>
+          <a:blip r:embed="rId2">
+            <a:extLst>
+              <a:ext uri="{28A0092B-C50C-407E-A947-70E740481C1C}">
+                <a14:useLocalDpi xmlns:a14="http://schemas.microsoft.com/office/drawing/2010/main" val="0"/>
+              </a:ext>
+            </a:extLst>
+          </a:blip>
+          <a:stretch>
+            <a:fillRect/>
+          </a:stretch>
+        </p:blipFill>
+        <p:spPr>
+          <a:xfrm>
+            <a:off x="3726742" y="1731579"/>
+            <a:ext cx="5533849" cy="4721773"/>
+          </a:xfrm>
+          <a:prstGeom prst="rect">
+            <a:avLst/>
+          </a:prstGeom>
+          <a:ln>
+            <a:noFill/>
+          </a:ln>
+          <a:effectLst>
+            <a:softEdge rad="112500"/>
+          </a:effectLst>
+        </p:spPr>
+      </p:pic>
+    </p:spTree>
+    <p:extLst>
+      <p:ext uri="{BB962C8B-B14F-4D97-AF65-F5344CB8AC3E}">
+        <p14:creationId xmlns:p14="http://schemas.microsoft.com/office/powerpoint/2010/main" val="25326751"/>
+      </p:ext>
+    </p:extLst>
+  </p:cSld>
+  <p:clrMapOvr>
+    <a:masterClrMapping/>
+  </p:clrMapOvr>
+</p:sld>
+</file>
+
+<file path=ppt/slides/slide9.xml><?xml version="1.0" encoding="utf-8"?>
+<p:sld xmlns:a="http://schemas.openxmlformats.org/drawingml/2006/main" xmlns:r="http://schemas.openxmlformats.org/officeDocument/2006/relationships" xmlns:p="http://schemas.openxmlformats.org/presentationml/2006/main">
+  <p:cSld>
+    <p:spTree>
+      <p:nvGrpSpPr>
+        <p:cNvPr id="1" name=""/>
+        <p:cNvGrpSpPr/>
+        <p:nvPr/>
+      </p:nvGrpSpPr>
+      <p:grpSpPr>
+        <a:xfrm>
+          <a:off x="0" y="0"/>
+          <a:ext cx="0" cy="0"/>
+          <a:chOff x="0" y="0"/>
+          <a:chExt cx="0" cy="0"/>
+        </a:xfrm>
+      </p:grpSpPr>
+      <p:sp>
+        <p:nvSpPr>
+          <p:cNvPr id="2" name="Titre 1"/>
+          <p:cNvSpPr>
+            <a:spLocks noGrp="1"/>
+          </p:cNvSpPr>
+          <p:nvPr>
+            <p:ph type="title"/>
+          </p:nvPr>
+        </p:nvSpPr>
+        <p:spPr/>
+        <p:txBody>
+          <a:bodyPr/>
+          <a:lstStyle/>
+          <a:p>
+            <a:r>
+              <a:rPr lang="fr-FR" dirty="0" smtClean="0"/>
+              <a:t>Technologies utilisées</a:t>
+            </a:r>
+            <a:endParaRPr lang="fr-FR" dirty="0"/>
+          </a:p>
+        </p:txBody>
+      </p:sp>
+      <p:sp>
+        <p:nvSpPr>
+          <p:cNvPr id="3" name="Espace réservé du contenu 2"/>
+          <p:cNvSpPr>
+            <a:spLocks noGrp="1"/>
+          </p:cNvSpPr>
+          <p:nvPr>
+            <p:ph idx="1"/>
+          </p:nvPr>
+        </p:nvSpPr>
+        <p:spPr>
+          <a:xfrm>
+            <a:off x="3794235" y="2666999"/>
+            <a:ext cx="1881351" cy="3124201"/>
+          </a:xfrm>
+        </p:spPr>
+        <p:txBody>
+          <a:bodyPr/>
+          <a:lstStyle/>
+          <a:p>
+            <a:pPr marL="0" indent="0">
+              <a:buNone/>
+            </a:pPr>
+            <a:r>
+              <a:rPr lang="fr-FR" sz="2800" dirty="0" smtClean="0"/>
+              <a:t>Langages :</a:t>
+            </a:r>
+          </a:p>
+          <a:p>
+            <a:pPr>
+              <a:buFont typeface="Arial" panose="020B0604020202020204" pitchFamily="34" charset="0"/>
+              <a:buChar char="•"/>
+            </a:pPr>
+            <a:r>
+              <a:rPr lang="fr-FR" dirty="0" smtClean="0"/>
+              <a:t>HTML</a:t>
+            </a:r>
+          </a:p>
+          <a:p>
+            <a:pPr>
+              <a:buFont typeface="Arial" panose="020B0604020202020204" pitchFamily="34" charset="0"/>
+              <a:buChar char="•"/>
+            </a:pPr>
+            <a:r>
+              <a:rPr lang="fr-FR" dirty="0" smtClean="0"/>
+              <a:t>CSS</a:t>
+            </a:r>
+          </a:p>
+          <a:p>
+            <a:pPr>
+              <a:buFont typeface="Arial" panose="020B0604020202020204" pitchFamily="34" charset="0"/>
+              <a:buChar char="•"/>
+            </a:pPr>
+            <a:r>
+              <a:rPr lang="fr-FR" dirty="0" smtClean="0"/>
+              <a:t>JavaScript</a:t>
+            </a:r>
+          </a:p>
+          <a:p>
+            <a:pPr>
+              <a:buFont typeface="Arial" panose="020B0604020202020204" pitchFamily="34" charset="0"/>
+              <a:buChar char="•"/>
+            </a:pPr>
+            <a:r>
+              <a:rPr lang="fr-FR" dirty="0" smtClean="0"/>
+              <a:t>PHP</a:t>
+            </a:r>
+          </a:p>
+          <a:p>
+            <a:pPr>
+              <a:buFont typeface="Arial" panose="020B0604020202020204" pitchFamily="34" charset="0"/>
+              <a:buChar char="•"/>
+            </a:pPr>
+            <a:r>
+              <a:rPr lang="fr-FR" dirty="0" smtClean="0"/>
+              <a:t>MySQL</a:t>
+            </a:r>
+          </a:p>
+        </p:txBody>
+      </p:sp>
+      <p:sp>
+        <p:nvSpPr>
+          <p:cNvPr id="5" name="Espace réservé du contenu 2"/>
+          <p:cNvSpPr txBox="1">
+            <a:spLocks/>
+          </p:cNvSpPr>
+          <p:nvPr/>
+        </p:nvSpPr>
+        <p:spPr>
+          <a:xfrm>
+            <a:off x="7194332" y="2666999"/>
+            <a:ext cx="2559268" cy="2596055"/>
+          </a:xfrm>
+          <a:prstGeom prst="rect">
+            <a:avLst/>
+          </a:prstGeom>
+        </p:spPr>
+        <p:txBody>
+          <a:bodyPr vert="horz" lIns="91440" tIns="45720" rIns="91440" bIns="45720" rtlCol="0" anchor="ctr">
+            <a:normAutofit/>
+          </a:bodyPr>
+          <a:lstStyle>
+            <a:lvl1pPr marL="285750" indent="-285750" algn="l" defTabSz="457200" rtl="0" eaLnBrk="1" latinLnBrk="0" hangingPunct="1">
+              <a:spcBef>
+                <a:spcPct val="20000"/>
+              </a:spcBef>
+              <a:spcAft>
+                <a:spcPts val="600"/>
+              </a:spcAft>
+              <a:buClr>
+                <a:schemeClr val="accent1">
+                  <a:lumMod val="75000"/>
+                </a:schemeClr>
+              </a:buClr>
+              <a:buSzPct val="145000"/>
+              <a:buFont typeface="Arial"/>
+              <a:buChar char="•"/>
+              <a:defRPr sz="2400" kern="1200" cap="none">
+                <a:solidFill>
+                  <a:schemeClr val="tx1"/>
+                </a:solidFill>
+                <a:effectLst/>
+                <a:latin typeface="+mn-lt"/>
+                <a:ea typeface="+mn-ea"/>
+                <a:cs typeface="+mn-cs"/>
+              </a:defRPr>
+            </a:lvl1pPr>
+            <a:lvl2pPr marL="742950" indent="-285750" algn="l" defTabSz="457200" rtl="0" eaLnBrk="1" latinLnBrk="0" hangingPunct="1">
+              <a:spcBef>
+                <a:spcPct val="20000"/>
+              </a:spcBef>
+              <a:spcAft>
+                <a:spcPts val="600"/>
+              </a:spcAft>
+              <a:buClr>
+                <a:schemeClr val="accent1">
+                  <a:lumMod val="75000"/>
+                </a:schemeClr>
+              </a:buClr>
+              <a:buSzPct val="145000"/>
+              <a:buFont typeface="Arial"/>
+              <a:buChar char="•"/>
+              <a:defRPr sz="2000" kern="1200" cap="none">
+                <a:solidFill>
+                  <a:schemeClr val="tx1"/>
+                </a:solidFill>
+                <a:effectLst/>
+                <a:latin typeface="+mn-lt"/>
+                <a:ea typeface="+mn-ea"/>
+                <a:cs typeface="+mn-cs"/>
+              </a:defRPr>
+            </a:lvl2pPr>
+            <a:lvl3pPr marL="1200150" indent="-285750" algn="l" defTabSz="457200" rtl="0" eaLnBrk="1" latinLnBrk="0" hangingPunct="1">
+              <a:spcBef>
+                <a:spcPct val="20000"/>
+              </a:spcBef>
+              <a:spcAft>
+                <a:spcPts val="600"/>
+              </a:spcAft>
+              <a:buClr>
+                <a:schemeClr val="accent1">
+                  <a:lumMod val="75000"/>
+                </a:schemeClr>
+              </a:buClr>
+              <a:buSzPct val="145000"/>
+              <a:buFont typeface="Arial"/>
+              <a:buChar char="•"/>
+              <a:defRPr sz="1800" kern="1200" cap="none">
+                <a:solidFill>
+                  <a:schemeClr val="tx1"/>
+                </a:solidFill>
+                <a:effectLst/>
+                <a:latin typeface="+mn-lt"/>
+                <a:ea typeface="+mn-ea"/>
+                <a:cs typeface="+mn-cs"/>
+              </a:defRPr>
+            </a:lvl3pPr>
+            <a:lvl4pPr marL="1543050" indent="-171450" algn="l" defTabSz="457200" rtl="0" eaLnBrk="1" latinLnBrk="0" hangingPunct="1">
+              <a:spcBef>
+                <a:spcPct val="20000"/>
+              </a:spcBef>
+              <a:spcAft>
+                <a:spcPts val="600"/>
+              </a:spcAft>
+              <a:buClr>
+                <a:schemeClr val="accent1">
+                  <a:lumMod val="75000"/>
+                </a:schemeClr>
+              </a:buClr>
+              <a:buSzPct val="145000"/>
+              <a:buFont typeface="Arial"/>
+              <a:buChar char="•"/>
+              <a:defRPr sz="1600" kern="1200" cap="none">
+                <a:solidFill>
+                  <a:schemeClr val="tx1"/>
+                </a:solidFill>
+                <a:effectLst/>
+                <a:latin typeface="+mn-lt"/>
+                <a:ea typeface="+mn-ea"/>
+                <a:cs typeface="+mn-cs"/>
+              </a:defRPr>
+            </a:lvl4pPr>
+            <a:lvl5pPr marL="2000250" indent="-171450" algn="l" defTabSz="457200" rtl="0" eaLnBrk="1" latinLnBrk="0" hangingPunct="1">
+              <a:spcBef>
+                <a:spcPct val="20000"/>
+              </a:spcBef>
+              <a:spcAft>
+                <a:spcPts val="600"/>
+              </a:spcAft>
+              <a:buClr>
+                <a:schemeClr val="accent1">
+                  <a:lumMod val="75000"/>
+                </a:schemeClr>
+              </a:buClr>
+              <a:buSzPct val="145000"/>
+              <a:buFont typeface="Arial"/>
+              <a:buChar char="•"/>
+              <a:defRPr sz="1400" kern="1200" cap="none">
+                <a:solidFill>
+                  <a:schemeClr val="tx1"/>
+                </a:solidFill>
+                <a:effectLst/>
+                <a:latin typeface="+mn-lt"/>
+                <a:ea typeface="+mn-ea"/>
+                <a:cs typeface="+mn-cs"/>
+              </a:defRPr>
+            </a:lvl5pPr>
+            <a:lvl6pPr marL="2514600" indent="-228600" algn="l" defTabSz="457200" rtl="0" eaLnBrk="1" latinLnBrk="0" hangingPunct="1">
+              <a:spcBef>
+                <a:spcPct val="20000"/>
+              </a:spcBef>
+              <a:spcAft>
+                <a:spcPts val="600"/>
+              </a:spcAft>
+              <a:buClr>
+                <a:schemeClr val="accent1">
+                  <a:lumMod val="75000"/>
+                </a:schemeClr>
+              </a:buClr>
+              <a:buSzPct val="145000"/>
+              <a:buFont typeface="Arial"/>
+              <a:buChar char="•"/>
+              <a:defRPr sz="1400" kern="1200" cap="none">
+                <a:solidFill>
+                  <a:schemeClr val="tx1"/>
+                </a:solidFill>
+                <a:effectLst/>
+                <a:latin typeface="+mn-lt"/>
+                <a:ea typeface="+mn-ea"/>
+                <a:cs typeface="+mn-cs"/>
+              </a:defRPr>
+            </a:lvl6pPr>
+            <a:lvl7pPr marL="2971800" indent="-228600" algn="l" defTabSz="457200" rtl="0" eaLnBrk="1" latinLnBrk="0" hangingPunct="1">
+              <a:spcBef>
+                <a:spcPct val="20000"/>
+              </a:spcBef>
+              <a:spcAft>
+                <a:spcPts val="600"/>
+              </a:spcAft>
+              <a:buClr>
+                <a:schemeClr val="accent1">
+                  <a:lumMod val="75000"/>
+                </a:schemeClr>
+              </a:buClr>
+              <a:buSzPct val="145000"/>
+              <a:buFont typeface="Arial"/>
+              <a:buChar char="•"/>
+              <a:defRPr sz="1400" kern="1200" cap="none">
+                <a:solidFill>
+                  <a:schemeClr val="tx1"/>
+                </a:solidFill>
+                <a:effectLst/>
+                <a:latin typeface="+mn-lt"/>
+                <a:ea typeface="+mn-ea"/>
+                <a:cs typeface="+mn-cs"/>
+              </a:defRPr>
+            </a:lvl7pPr>
+            <a:lvl8pPr marL="3429000" indent="-228600" algn="l" defTabSz="457200" rtl="0" eaLnBrk="1" latinLnBrk="0" hangingPunct="1">
+              <a:spcBef>
+                <a:spcPct val="20000"/>
+              </a:spcBef>
+              <a:spcAft>
+                <a:spcPts val="600"/>
+              </a:spcAft>
+              <a:buClr>
+                <a:schemeClr val="accent1">
+                  <a:lumMod val="75000"/>
+                </a:schemeClr>
+              </a:buClr>
+              <a:buSzPct val="145000"/>
+              <a:buFont typeface="Arial"/>
+              <a:buChar char="•"/>
+              <a:defRPr sz="1400" kern="1200" cap="none">
+                <a:solidFill>
+                  <a:schemeClr val="tx1"/>
+                </a:solidFill>
+                <a:effectLst/>
+                <a:latin typeface="+mn-lt"/>
+                <a:ea typeface="+mn-ea"/>
+                <a:cs typeface="+mn-cs"/>
+              </a:defRPr>
+            </a:lvl8pPr>
+            <a:lvl9pPr marL="3886200" indent="-228600" algn="l" defTabSz="457200" rtl="0" eaLnBrk="1" latinLnBrk="0" hangingPunct="1">
+              <a:spcBef>
+                <a:spcPct val="20000"/>
+              </a:spcBef>
+              <a:spcAft>
+                <a:spcPts val="600"/>
+              </a:spcAft>
+              <a:buClr>
+                <a:schemeClr val="accent1">
+                  <a:lumMod val="75000"/>
+                </a:schemeClr>
+              </a:buClr>
+              <a:buSzPct val="145000"/>
+              <a:buFont typeface="Arial"/>
+              <a:buChar char="•"/>
+              <a:defRPr sz="1400" kern="1200" cap="none">
+                <a:solidFill>
+                  <a:schemeClr val="tx1"/>
+                </a:solidFill>
+                <a:effectLst/>
+                <a:latin typeface="+mn-lt"/>
+                <a:ea typeface="+mn-ea"/>
+                <a:cs typeface="+mn-cs"/>
+              </a:defRPr>
+            </a:lvl9pPr>
+          </a:lstStyle>
+          <a:p>
+            <a:pPr marL="0" indent="0">
+              <a:buFont typeface="Arial"/>
+              <a:buNone/>
+            </a:pPr>
+            <a:r>
+              <a:rPr lang="fr-FR" sz="2800" dirty="0" err="1" smtClean="0"/>
+              <a:t>Frameworks</a:t>
+            </a:r>
+            <a:r>
+              <a:rPr lang="fr-FR" sz="2800" dirty="0" smtClean="0"/>
+              <a:t> :</a:t>
+            </a:r>
+          </a:p>
+          <a:p>
+            <a:pPr>
+              <a:buFont typeface="Arial" panose="020B0604020202020204" pitchFamily="34" charset="0"/>
+              <a:buChar char="•"/>
+            </a:pPr>
+            <a:r>
+              <a:rPr lang="fr-FR" sz="2800" dirty="0" err="1" smtClean="0"/>
+              <a:t>Bootstrap</a:t>
+            </a:r>
+            <a:r>
+              <a:rPr lang="fr-FR" sz="2800" dirty="0" smtClean="0"/>
+              <a:t> (CSS)</a:t>
+            </a:r>
+          </a:p>
+          <a:p>
+            <a:pPr>
+              <a:buFont typeface="Arial" panose="020B0604020202020204" pitchFamily="34" charset="0"/>
+              <a:buChar char="•"/>
+            </a:pPr>
+            <a:r>
+              <a:rPr lang="fr-FR" sz="2800" dirty="0" smtClean="0"/>
+              <a:t>Nightwatch.js (JavaScript)</a:t>
+            </a:r>
+          </a:p>
+        </p:txBody>
+      </p:sp>
+    </p:spTree>
+    <p:extLst>
+      <p:ext uri="{BB962C8B-B14F-4D97-AF65-F5344CB8AC3E}">
+        <p14:creationId xmlns:p14="http://schemas.microsoft.com/office/powerpoint/2010/main" val="856374563"/>
       </p:ext>
     </p:extLst>
   </p:cSld>
@@ -6852,4 +8226,265 @@
     </a:ext>
   </a:extLst>
 </a:theme>
+</file>
+
+<file path=ppt/theme/theme2.xml><?xml version="1.0" encoding="utf-8"?>
+<a:theme xmlns:a="http://schemas.openxmlformats.org/drawingml/2006/main" name="Thème Office">
+  <a:themeElements>
+    <a:clrScheme name="Office">
+      <a:dk1>
+        <a:sysClr val="windowText" lastClr="000000"/>
+      </a:dk1>
+      <a:lt1>
+        <a:sysClr val="window" lastClr="FFFFFF"/>
+      </a:lt1>
+      <a:dk2>
+        <a:srgbClr val="44546A"/>
+      </a:dk2>
+      <a:lt2>
+        <a:srgbClr val="E7E6E6"/>
+      </a:lt2>
+      <a:accent1>
+        <a:srgbClr val="5B9BD5"/>
+      </a:accent1>
+      <a:accent2>
+        <a:srgbClr val="ED7D31"/>
+      </a:accent2>
+      <a:accent3>
+        <a:srgbClr val="A5A5A5"/>
+      </a:accent3>
+      <a:accent4>
+        <a:srgbClr val="FFC000"/>
+      </a:accent4>
+      <a:accent5>
+        <a:srgbClr val="4472C4"/>
+      </a:accent5>
+      <a:accent6>
+        <a:srgbClr val="70AD47"/>
+      </a:accent6>
+      <a:hlink>
+        <a:srgbClr val="0563C1"/>
+      </a:hlink>
+      <a:folHlink>
+        <a:srgbClr val="954F72"/>
+      </a:folHlink>
+    </a:clrScheme>
+    <a:fontScheme name="Office">
+      <a:majorFont>
+        <a:latin typeface="Calibri Light" panose="020F0302020204030204"/>
+        <a:ea typeface=""/>
+        <a:cs typeface=""/>
+        <a:font script="Jpan" typeface="游ゴシック Light"/>
+        <a:font script="Hang" typeface="맑은 고딕"/>
+        <a:font script="Hans" typeface="等线 Light"/>
+        <a:font script="Hant" typeface="新細明體"/>
+        <a:font script="Arab" typeface="Times New Roman"/>
+        <a:font script="Hebr" typeface="Times New Roman"/>
+        <a:font script="Thai" typeface="Angsana New"/>
+        <a:font script="Ethi" typeface="Nyala"/>
+        <a:font script="Beng" typeface="Vrinda"/>
+        <a:font script="Gujr" typeface="Shruti"/>
+        <a:font script="Khmr" typeface="MoolBoran"/>
+        <a:font script="Knda" typeface="Tunga"/>
+        <a:font script="Guru" typeface="Raavi"/>
+        <a:font script="Cans" typeface="Euphemia"/>
+        <a:font script="Cher" typeface="Plantagenet Cherokee"/>
+        <a:font script="Yiii" typeface="Microsoft Yi Baiti"/>
+        <a:font script="Tibt" typeface="Microsoft Himalaya"/>
+        <a:font script="Thaa" typeface="MV Boli"/>
+        <a:font script="Deva" typeface="Mangal"/>
+        <a:font script="Telu" typeface="Gautami"/>
+        <a:font script="Taml" typeface="Latha"/>
+        <a:font script="Syrc" typeface="Estrangelo Edessa"/>
+        <a:font script="Orya" typeface="Kalinga"/>
+        <a:font script="Mlym" typeface="Kartika"/>
+        <a:font script="Laoo" typeface="DokChampa"/>
+        <a:font script="Sinh" typeface="Iskoola Pota"/>
+        <a:font script="Mong" typeface="Mongolian Baiti"/>
+        <a:font script="Viet" typeface="Times New Roman"/>
+        <a:font script="Uigh" typeface="Microsoft Uighur"/>
+        <a:font script="Geor" typeface="Sylfaen"/>
+      </a:majorFont>
+      <a:minorFont>
+        <a:latin typeface="Calibri" panose="020F0502020204030204"/>
+        <a:ea typeface=""/>
+        <a:cs typeface=""/>
+        <a:font script="Jpan" typeface="游ゴシック"/>
+        <a:font script="Hang" typeface="맑은 고딕"/>
+        <a:font script="Hans" typeface="等线"/>
+        <a:font script="Hant" typeface="新細明體"/>
+        <a:font script="Arab" typeface="Arial"/>
+        <a:font script="Hebr" typeface="Arial"/>
+        <a:font script="Thai" typeface="Cordia New"/>
+        <a:font script="Ethi" typeface="Nyala"/>
+        <a:font script="Beng" typeface="Vrinda"/>
+        <a:font script="Gujr" typeface="Shruti"/>
+        <a:font script="Khmr" typeface="DaunPenh"/>
+        <a:font script="Knda" typeface="Tunga"/>
+        <a:font script="Guru" typeface="Raavi"/>
+        <a:font script="Cans" typeface="Euphemia"/>
+        <a:font script="Cher" typeface="Plantagenet Cherokee"/>
+        <a:font script="Yiii" typeface="Microsoft Yi Baiti"/>
+        <a:font script="Tibt" typeface="Microsoft Himalaya"/>
+        <a:font script="Thaa" typeface="MV Boli"/>
+        <a:font script="Deva" typeface="Mangal"/>
+        <a:font script="Telu" typeface="Gautami"/>
+        <a:font script="Taml" typeface="Latha"/>
+        <a:font script="Syrc" typeface="Estrangelo Edessa"/>
+        <a:font script="Orya" typeface="Kalinga"/>
+        <a:font script="Mlym" typeface="Kartika"/>
+        <a:font script="Laoo" typeface="DokChampa"/>
+        <a:font script="Sinh" typeface="Iskoola Pota"/>
+        <a:font script="Mong" typeface="Mongolian Baiti"/>
+        <a:font script="Viet" typeface="Arial"/>
+        <a:font script="Uigh" typeface="Microsoft Uighur"/>
+        <a:font script="Geor" typeface="Sylfaen"/>
+      </a:minorFont>
+    </a:fontScheme>
+    <a:fmtScheme name="Office">
+      <a:fillStyleLst>
+        <a:solidFill>
+          <a:schemeClr val="phClr"/>
+        </a:solidFill>
+        <a:gradFill rotWithShape="1">
+          <a:gsLst>
+            <a:gs pos="0">
+              <a:schemeClr val="phClr">
+                <a:lumMod val="110000"/>
+                <a:satMod val="105000"/>
+                <a:tint val="67000"/>
+              </a:schemeClr>
+            </a:gs>
+            <a:gs pos="50000">
+              <a:schemeClr val="phClr">
+                <a:lumMod val="105000"/>
+                <a:satMod val="103000"/>
+                <a:tint val="73000"/>
+              </a:schemeClr>
+            </a:gs>
+            <a:gs pos="100000">
+              <a:schemeClr val="phClr">
+                <a:lumMod val="105000"/>
+                <a:satMod val="109000"/>
+                <a:tint val="81000"/>
+              </a:schemeClr>
+            </a:gs>
+          </a:gsLst>
+          <a:lin ang="5400000" scaled="0"/>
+        </a:gradFill>
+        <a:gradFill rotWithShape="1">
+          <a:gsLst>
+            <a:gs pos="0">
+              <a:schemeClr val="phClr">
+                <a:satMod val="103000"/>
+                <a:lumMod val="102000"/>
+                <a:tint val="94000"/>
+              </a:schemeClr>
+            </a:gs>
+            <a:gs pos="50000">
+              <a:schemeClr val="phClr">
+                <a:satMod val="110000"/>
+                <a:lumMod val="100000"/>
+                <a:shade val="100000"/>
+              </a:schemeClr>
+            </a:gs>
+            <a:gs pos="100000">
+              <a:schemeClr val="phClr">
+                <a:lumMod val="99000"/>
+                <a:satMod val="120000"/>
+                <a:shade val="78000"/>
+              </a:schemeClr>
+            </a:gs>
+          </a:gsLst>
+          <a:lin ang="5400000" scaled="0"/>
+        </a:gradFill>
+      </a:fillStyleLst>
+      <a:lnStyleLst>
+        <a:ln w="6350" cap="flat" cmpd="sng" algn="ctr">
+          <a:solidFill>
+            <a:schemeClr val="phClr"/>
+          </a:solidFill>
+          <a:prstDash val="solid"/>
+          <a:miter lim="800000"/>
+        </a:ln>
+        <a:ln w="12700" cap="flat" cmpd="sng" algn="ctr">
+          <a:solidFill>
+            <a:schemeClr val="phClr"/>
+          </a:solidFill>
+          <a:prstDash val="solid"/>
+          <a:miter lim="800000"/>
+        </a:ln>
+        <a:ln w="19050" cap="flat" cmpd="sng" algn="ctr">
+          <a:solidFill>
+            <a:schemeClr val="phClr"/>
+          </a:solidFill>
+          <a:prstDash val="solid"/>
+          <a:miter lim="800000"/>
+        </a:ln>
+      </a:lnStyleLst>
+      <a:effectStyleLst>
+        <a:effectStyle>
+          <a:effectLst/>
+        </a:effectStyle>
+        <a:effectStyle>
+          <a:effectLst/>
+        </a:effectStyle>
+        <a:effectStyle>
+          <a:effectLst>
+            <a:outerShdw blurRad="57150" dist="19050" dir="5400000" algn="ctr" rotWithShape="0">
+              <a:srgbClr val="000000">
+                <a:alpha val="63000"/>
+              </a:srgbClr>
+            </a:outerShdw>
+          </a:effectLst>
+        </a:effectStyle>
+      </a:effectStyleLst>
+      <a:bgFillStyleLst>
+        <a:solidFill>
+          <a:schemeClr val="phClr"/>
+        </a:solidFill>
+        <a:solidFill>
+          <a:schemeClr val="phClr">
+            <a:tint val="95000"/>
+            <a:satMod val="170000"/>
+          </a:schemeClr>
+        </a:solidFill>
+        <a:gradFill rotWithShape="1">
+          <a:gsLst>
+            <a:gs pos="0">
+              <a:schemeClr val="phClr">
+                <a:tint val="93000"/>
+                <a:satMod val="150000"/>
+                <a:shade val="98000"/>
+                <a:lumMod val="102000"/>
+              </a:schemeClr>
+            </a:gs>
+            <a:gs pos="50000">
+              <a:schemeClr val="phClr">
+                <a:tint val="98000"/>
+                <a:satMod val="130000"/>
+                <a:shade val="90000"/>
+                <a:lumMod val="103000"/>
+              </a:schemeClr>
+            </a:gs>
+            <a:gs pos="100000">
+              <a:schemeClr val="phClr">
+                <a:shade val="63000"/>
+                <a:satMod val="120000"/>
+              </a:schemeClr>
+            </a:gs>
+          </a:gsLst>
+          <a:lin ang="5400000" scaled="0"/>
+        </a:gradFill>
+      </a:bgFillStyleLst>
+    </a:fmtScheme>
+  </a:themeElements>
+  <a:objectDefaults/>
+  <a:extraClrSchemeLst/>
+  <a:extLst>
+    <a:ext uri="{05A4C25C-085E-4340-85A3-A5531E510DB2}">
+      <thm15:themeFamily xmlns:thm15="http://schemas.microsoft.com/office/thememl/2012/main" name="Office Theme" id="{62F939B6-93AF-4DB8-9C6B-D6C7DFDC589F}" vid="{4A3C46E8-61CC-4603-A589-7422A47A8E4A}"/>
+    </a:ext>
+  </a:extLst>
+</a:theme>
 </file>